--- a/presentations/P4 Presentation.pptx
+++ b/presentations/P4 Presentation.pptx
@@ -124,6 +124,11 @@
       </a:defRPr>
     </a:lvl9pPr>
   </p:defaultTextStyle>
+  <p:extLst>
+    <p:ext uri="{EFAFB233-063F-42B5-8137-9DF3F51BA10A}">
+      <p15:sldGuideLst xmlns:p15="http://schemas.microsoft.com/office/powerpoint/2012/main"/>
+    </p:ext>
+  </p:extLst>
 </p:presentation>
 </file>
 
@@ -327,7 +332,7 @@
           <a:p>
             <a:fld id="{AC9A0F03-7BA9-4F46-A520-585E1AAF97DA}" type="datetimeFigureOut">
               <a:rPr lang="en-IN" smtClean="0"/>
-              <a:t>03-12-2018</a:t>
+              <a:t>04-12-2018</a:t>
             </a:fld>
             <a:endParaRPr lang="en-IN"/>
           </a:p>
@@ -517,7 +522,7 @@
           <a:p>
             <a:fld id="{AC9A0F03-7BA9-4F46-A520-585E1AAF97DA}" type="datetimeFigureOut">
               <a:rPr lang="en-IN" smtClean="0"/>
-              <a:t>03-12-2018</a:t>
+              <a:t>04-12-2018</a:t>
             </a:fld>
             <a:endParaRPr lang="en-IN"/>
           </a:p>
@@ -697,7 +702,7 @@
           <a:p>
             <a:fld id="{AC9A0F03-7BA9-4F46-A520-585E1AAF97DA}" type="datetimeFigureOut">
               <a:rPr lang="en-IN" smtClean="0"/>
-              <a:t>03-12-2018</a:t>
+              <a:t>04-12-2018</a:t>
             </a:fld>
             <a:endParaRPr lang="en-IN"/>
           </a:p>
@@ -950,7 +955,7 @@
             <a:fld id="{B61BEF0D-F0BB-DE4B-95CE-6DB70DBA9567}" type="datetimeFigureOut">
               <a:rPr lang="en-US" dirty="0"/>
               <a:pPr/>
-              <a:t>12/3/2018</a:t>
+              <a:t>12/4/2018</a:t>
             </a:fld>
             <a:endParaRPr lang="en-US" dirty="0"/>
           </a:p>
@@ -1297,7 +1302,7 @@
             <a:fld id="{B61BEF0D-F0BB-DE4B-95CE-6DB70DBA9567}" type="datetimeFigureOut">
               <a:rPr lang="en-US" dirty="0"/>
               <a:pPr/>
-              <a:t>12/3/2018</a:t>
+              <a:t>12/4/2018</a:t>
             </a:fld>
             <a:endParaRPr lang="en-US" dirty="0"/>
           </a:p>
@@ -1549,7 +1554,7 @@
             <a:fld id="{B61BEF0D-F0BB-DE4B-95CE-6DB70DBA9567}" type="datetimeFigureOut">
               <a:rPr lang="en-US" dirty="0"/>
               <a:pPr/>
-              <a:t>12/3/2018</a:t>
+              <a:t>12/4/2018</a:t>
             </a:fld>
             <a:endParaRPr lang="en-US" dirty="0"/>
           </a:p>
@@ -1787,7 +1792,7 @@
             <a:fld id="{B61BEF0D-F0BB-DE4B-95CE-6DB70DBA9567}" type="datetimeFigureOut">
               <a:rPr lang="en-US" dirty="0"/>
               <a:pPr/>
-              <a:t>12/3/2018</a:t>
+              <a:t>12/4/2018</a:t>
             </a:fld>
             <a:endParaRPr lang="en-US" dirty="0"/>
           </a:p>
@@ -2171,7 +2176,7 @@
             <a:fld id="{B61BEF0D-F0BB-DE4B-95CE-6DB70DBA9567}" type="datetimeFigureOut">
               <a:rPr lang="en-US" dirty="0"/>
               <a:pPr/>
-              <a:t>12/3/2018</a:t>
+              <a:t>12/4/2018</a:t>
             </a:fld>
             <a:endParaRPr lang="en-US" dirty="0"/>
           </a:p>
@@ -2291,7 +2296,7 @@
             <a:fld id="{B61BEF0D-F0BB-DE4B-95CE-6DB70DBA9567}" type="datetimeFigureOut">
               <a:rPr lang="en-US" dirty="0"/>
               <a:pPr/>
-              <a:t>12/3/2018</a:t>
+              <a:t>12/4/2018</a:t>
             </a:fld>
             <a:endParaRPr lang="en-US" dirty="0"/>
           </a:p>
@@ -2388,7 +2393,7 @@
             <a:fld id="{B61BEF0D-F0BB-DE4B-95CE-6DB70DBA9567}" type="datetimeFigureOut">
               <a:rPr lang="en-US" dirty="0"/>
               <a:pPr/>
-              <a:t>12/3/2018</a:t>
+              <a:t>12/4/2018</a:t>
             </a:fld>
             <a:endParaRPr lang="en-US" dirty="0"/>
           </a:p>
@@ -2645,7 +2650,7 @@
             <a:fld id="{B61BEF0D-F0BB-DE4B-95CE-6DB70DBA9567}" type="datetimeFigureOut">
               <a:rPr lang="en-US" dirty="0"/>
               <a:pPr/>
-              <a:t>12/3/2018</a:t>
+              <a:t>12/4/2018</a:t>
             </a:fld>
             <a:endParaRPr lang="en-US" dirty="0"/>
           </a:p>
@@ -2816,7 +2821,7 @@
           <a:p>
             <a:fld id="{AC9A0F03-7BA9-4F46-A520-585E1AAF97DA}" type="datetimeFigureOut">
               <a:rPr lang="en-IN" smtClean="0"/>
-              <a:t>03-12-2018</a:t>
+              <a:t>04-12-2018</a:t>
             </a:fld>
             <a:endParaRPr lang="en-IN"/>
           </a:p>
@@ -3100,7 +3105,7 @@
             <a:fld id="{B61BEF0D-F0BB-DE4B-95CE-6DB70DBA9567}" type="datetimeFigureOut">
               <a:rPr lang="en-US" dirty="0"/>
               <a:pPr/>
-              <a:t>12/3/2018</a:t>
+              <a:t>12/4/2018</a:t>
             </a:fld>
             <a:endParaRPr lang="en-US" dirty="0"/>
           </a:p>
@@ -3363,7 +3368,7 @@
             <a:fld id="{B61BEF0D-F0BB-DE4B-95CE-6DB70DBA9567}" type="datetimeFigureOut">
               <a:rPr lang="en-US" dirty="0"/>
               <a:pPr/>
-              <a:t>12/3/2018</a:t>
+              <a:t>12/4/2018</a:t>
             </a:fld>
             <a:endParaRPr lang="en-US" dirty="0"/>
           </a:p>
@@ -3615,7 +3620,7 @@
             <a:fld id="{B61BEF0D-F0BB-DE4B-95CE-6DB70DBA9567}" type="datetimeFigureOut">
               <a:rPr lang="en-US" dirty="0"/>
               <a:pPr/>
-              <a:t>12/3/2018</a:t>
+              <a:t>12/4/2018</a:t>
             </a:fld>
             <a:endParaRPr lang="en-US" dirty="0"/>
           </a:p>
@@ -3925,7 +3930,7 @@
             <a:fld id="{B61BEF0D-F0BB-DE4B-95CE-6DB70DBA9567}" type="datetimeFigureOut">
               <a:rPr lang="en-US" dirty="0"/>
               <a:pPr/>
-              <a:t>12/3/2018</a:t>
+              <a:t>12/4/2018</a:t>
             </a:fld>
             <a:endParaRPr lang="en-US" dirty="0"/>
           </a:p>
@@ -4245,7 +4250,7 @@
             <a:fld id="{B61BEF0D-F0BB-DE4B-95CE-6DB70DBA9567}" type="datetimeFigureOut">
               <a:rPr lang="en-US" dirty="0"/>
               <a:pPr/>
-              <a:t>12/3/2018</a:t>
+              <a:t>12/4/2018</a:t>
             </a:fld>
             <a:endParaRPr lang="en-US" dirty="0"/>
           </a:p>
@@ -4549,7 +4554,7 @@
             <a:fld id="{B61BEF0D-F0BB-DE4B-95CE-6DB70DBA9567}" type="datetimeFigureOut">
               <a:rPr lang="en-US" dirty="0"/>
               <a:pPr/>
-              <a:t>12/3/2018</a:t>
+              <a:t>12/4/2018</a:t>
             </a:fld>
             <a:endParaRPr lang="en-US" dirty="0"/>
           </a:p>
@@ -4918,7 +4923,7 @@
             <a:fld id="{B61BEF0D-F0BB-DE4B-95CE-6DB70DBA9567}" type="datetimeFigureOut">
               <a:rPr lang="en-US" dirty="0"/>
               <a:pPr/>
-              <a:t>12/3/2018</a:t>
+              <a:t>12/4/2018</a:t>
             </a:fld>
             <a:endParaRPr lang="en-US" dirty="0"/>
           </a:p>
@@ -5094,7 +5099,7 @@
             <a:fld id="{B61BEF0D-F0BB-DE4B-95CE-6DB70DBA9567}" type="datetimeFigureOut">
               <a:rPr lang="en-US" dirty="0"/>
               <a:pPr/>
-              <a:t>12/3/2018</a:t>
+              <a:t>12/4/2018</a:t>
             </a:fld>
             <a:endParaRPr lang="en-US" dirty="0"/>
           </a:p>
@@ -5276,7 +5281,7 @@
             <a:fld id="{B61BEF0D-F0BB-DE4B-95CE-6DB70DBA9567}" type="datetimeFigureOut">
               <a:rPr lang="en-US" dirty="0"/>
               <a:pPr/>
-              <a:t>12/3/2018</a:t>
+              <a:t>12/4/2018</a:t>
             </a:fld>
             <a:endParaRPr lang="en-US" dirty="0"/>
           </a:p>
@@ -5533,7 +5538,7 @@
           <a:p>
             <a:fld id="{AC9A0F03-7BA9-4F46-A520-585E1AAF97DA}" type="datetimeFigureOut">
               <a:rPr lang="en-IN" smtClean="0"/>
-              <a:t>03-12-2018</a:t>
+              <a:t>04-12-2018</a:t>
             </a:fld>
             <a:endParaRPr lang="en-IN"/>
           </a:p>
@@ -5821,7 +5826,7 @@
           <a:p>
             <a:fld id="{AC9A0F03-7BA9-4F46-A520-585E1AAF97DA}" type="datetimeFigureOut">
               <a:rPr lang="en-IN" smtClean="0"/>
-              <a:t>03-12-2018</a:t>
+              <a:t>04-12-2018</a:t>
             </a:fld>
             <a:endParaRPr lang="en-IN"/>
           </a:p>
@@ -6259,7 +6264,7 @@
           <a:p>
             <a:fld id="{AC9A0F03-7BA9-4F46-A520-585E1AAF97DA}" type="datetimeFigureOut">
               <a:rPr lang="en-IN" smtClean="0"/>
-              <a:t>03-12-2018</a:t>
+              <a:t>04-12-2018</a:t>
             </a:fld>
             <a:endParaRPr lang="en-IN"/>
           </a:p>
@@ -6377,7 +6382,7 @@
           <a:p>
             <a:fld id="{AC9A0F03-7BA9-4F46-A520-585E1AAF97DA}" type="datetimeFigureOut">
               <a:rPr lang="en-IN" smtClean="0"/>
-              <a:t>03-12-2018</a:t>
+              <a:t>04-12-2018</a:t>
             </a:fld>
             <a:endParaRPr lang="en-IN"/>
           </a:p>
@@ -6472,7 +6477,7 @@
           <a:p>
             <a:fld id="{AC9A0F03-7BA9-4F46-A520-585E1AAF97DA}" type="datetimeFigureOut">
               <a:rPr lang="en-IN" smtClean="0"/>
-              <a:t>03-12-2018</a:t>
+              <a:t>04-12-2018</a:t>
             </a:fld>
             <a:endParaRPr lang="en-IN"/>
           </a:p>
@@ -6828,7 +6833,7 @@
           <a:p>
             <a:fld id="{AC9A0F03-7BA9-4F46-A520-585E1AAF97DA}" type="datetimeFigureOut">
               <a:rPr lang="en-IN" smtClean="0"/>
-              <a:t>03-12-2018</a:t>
+              <a:t>04-12-2018</a:t>
             </a:fld>
             <a:endParaRPr lang="en-IN"/>
           </a:p>
@@ -7144,7 +7149,7 @@
           <a:p>
             <a:fld id="{AC9A0F03-7BA9-4F46-A520-585E1AAF97DA}" type="datetimeFigureOut">
               <a:rPr lang="en-IN" smtClean="0"/>
-              <a:t>03-12-2018</a:t>
+              <a:t>04-12-2018</a:t>
             </a:fld>
             <a:endParaRPr lang="en-IN"/>
           </a:p>
@@ -7377,7 +7382,7 @@
           <a:p>
             <a:fld id="{AC9A0F03-7BA9-4F46-A520-585E1AAF97DA}" type="datetimeFigureOut">
               <a:rPr lang="en-IN" smtClean="0"/>
-              <a:t>03-12-2018</a:t>
+              <a:t>04-12-2018</a:t>
             </a:fld>
             <a:endParaRPr lang="en-IN"/>
           </a:p>
@@ -8142,7 +8147,7 @@
             <a:fld id="{B61BEF0D-F0BB-DE4B-95CE-6DB70DBA9567}" type="datetimeFigureOut">
               <a:rPr lang="en-US" dirty="0"/>
               <a:pPr/>
-              <a:t>12/3/2018</a:t>
+              <a:t>12/4/2018</a:t>
             </a:fld>
             <a:endParaRPr lang="en-US" dirty="0"/>
           </a:p>
@@ -9051,7 +9056,7 @@
       </p:grpSpPr>
       <p:cxnSp>
         <p:nvCxnSpPr>
-          <p:cNvPr id="67" name="Straight Connector 66">
+          <p:cNvPr id="91" name="Straight Connector 90">
             <a:extLst>
               <a:ext uri="{FF2B5EF4-FFF2-40B4-BE49-F238E27FC236}">
                 <a16:creationId xmlns:a16="http://schemas.microsoft.com/office/drawing/2014/main" id="{8FD48FB1-66D8-4676-B0AA-C139A1DB78D1}"/>
@@ -9103,7 +9108,7 @@
       </p:cxnSp>
       <p:cxnSp>
         <p:nvCxnSpPr>
-          <p:cNvPr id="69" name="Straight Connector 68">
+          <p:cNvPr id="93" name="Straight Connector 92">
             <a:extLst>
               <a:ext uri="{FF2B5EF4-FFF2-40B4-BE49-F238E27FC236}">
                 <a16:creationId xmlns:a16="http://schemas.microsoft.com/office/drawing/2014/main" id="{F033F5AE-6728-4F19-8DED-658E674B31B9}"/>
@@ -9155,7 +9160,7 @@
       </p:cxnSp>
       <p:cxnSp>
         <p:nvCxnSpPr>
-          <p:cNvPr id="71" name="Straight Connector 70">
+          <p:cNvPr id="95" name="Straight Connector 94">
             <a:extLst>
               <a:ext uri="{FF2B5EF4-FFF2-40B4-BE49-F238E27FC236}">
                 <a16:creationId xmlns:a16="http://schemas.microsoft.com/office/drawing/2014/main" id="{82C7D74A-18BA-4709-A808-44E8815C4430}"/>
@@ -9207,7 +9212,7 @@
       </p:cxnSp>
       <p:cxnSp>
         <p:nvCxnSpPr>
-          <p:cNvPr id="73" name="Straight Connector 72">
+          <p:cNvPr id="97" name="Straight Connector 96">
             <a:extLst>
               <a:ext uri="{FF2B5EF4-FFF2-40B4-BE49-F238E27FC236}">
                 <a16:creationId xmlns:a16="http://schemas.microsoft.com/office/drawing/2014/main" id="{B5164A3F-1561-4039-8185-AB0EEB713EA7}"/>
@@ -9259,7 +9264,7 @@
       </p:cxnSp>
       <p:cxnSp>
         <p:nvCxnSpPr>
-          <p:cNvPr id="75" name="Straight Connector 74">
+          <p:cNvPr id="99" name="Straight Connector 98">
             <a:extLst>
               <a:ext uri="{FF2B5EF4-FFF2-40B4-BE49-F238E27FC236}">
                 <a16:creationId xmlns:a16="http://schemas.microsoft.com/office/drawing/2014/main" id="{2A35DB53-42BE-460E-9CA1-1294C98463CB}"/>
@@ -9311,10 +9316,10 @@
       </p:cxnSp>
       <p:sp useBgFill="1">
         <p:nvSpPr>
-          <p:cNvPr id="77" name="Rectangle 76">
+          <p:cNvPr id="101" name="Rectangle 100">
             <a:extLst>
               <a:ext uri="{FF2B5EF4-FFF2-40B4-BE49-F238E27FC236}">
-                <a16:creationId xmlns:a16="http://schemas.microsoft.com/office/drawing/2014/main" id="{C5BDD1EA-D8C1-45AF-9F0A-14A2A137BA2A}"/>
+                <a16:creationId xmlns:a16="http://schemas.microsoft.com/office/drawing/2014/main" id="{58A973E8-C2D4-4C81-8ADE-C5C021A615E7}"/>
               </a:ext>
               <a:ext uri="{C183D7F6-B498-43B3-948B-1728B52AA6E4}">
                 <adec:decorative xmlns:adec="http://schemas.microsoft.com/office/drawing/2017/decorative" val="1"/>
@@ -9387,8 +9392,8 @@
         </p:nvSpPr>
         <p:spPr>
           <a:xfrm>
-            <a:off x="7532710" y="628617"/>
-            <a:ext cx="3971902" cy="3028983"/>
+            <a:off x="665641" y="4473679"/>
+            <a:ext cx="9552558" cy="1233251"/>
           </a:xfrm>
         </p:spPr>
         <p:txBody>
@@ -9404,179 +9409,12 @@
           </a:p>
         </p:txBody>
       </p:sp>
-      <p:sp>
-        <p:nvSpPr>
-          <p:cNvPr id="79" name="Snip Diagonal Corner Rectangle 6">
+      <p:grpSp>
+        <p:nvGrpSpPr>
+          <p:cNvPr id="103" name="Group 102">
             <a:extLst>
               <a:ext uri="{FF2B5EF4-FFF2-40B4-BE49-F238E27FC236}">
-                <a16:creationId xmlns:a16="http://schemas.microsoft.com/office/drawing/2014/main" id="{14354E08-0068-48D7-A8AD-84C7B1CF585D}"/>
-              </a:ext>
-              <a:ext uri="{C183D7F6-B498-43B3-948B-1728B52AA6E4}">
-                <adec:decorative xmlns:adec="http://schemas.microsoft.com/office/drawing/2017/decorative" val="1"/>
-              </a:ext>
-            </a:extLst>
-          </p:cNvPr>
-          <p:cNvSpPr>
-            <a:spLocks noGrp="1" noRot="1" noChangeAspect="1" noMove="1" noResize="1" noEditPoints="1" noAdjustHandles="1" noChangeArrowheads="1" noChangeShapeType="1" noTextEdit="1"/>
-          </p:cNvSpPr>
-          <p:nvPr>
-            <p:extLst>
-              <p:ext uri="{386F3935-93C4-4BCD-93E2-E3B085C9AB24}">
-                <p16:designElem xmlns:p16="http://schemas.microsoft.com/office/powerpoint/2015/main" val="1"/>
-              </p:ext>
-            </p:extLst>
-          </p:nvPr>
-        </p:nvSpPr>
-        <p:spPr>
-          <a:xfrm>
-            <a:off x="634000" y="620722"/>
-            <a:ext cx="6575496" cy="5286838"/>
-          </a:xfrm>
-          <a:prstGeom prst="snip2DiagRect">
-            <a:avLst>
-              <a:gd name="adj1" fmla="val 10787"/>
-              <a:gd name="adj2" fmla="val 0"/>
-            </a:avLst>
-          </a:prstGeom>
-          <a:solidFill>
-            <a:schemeClr val="tx1"/>
-          </a:solidFill>
-          <a:ln>
-            <a:noFill/>
-          </a:ln>
-          <a:effectLst>
-            <a:innerShdw blurRad="57150" dist="38100" dir="14460000">
-              <a:prstClr val="black">
-                <a:alpha val="70000"/>
-              </a:prstClr>
-            </a:innerShdw>
-          </a:effectLst>
-        </p:spPr>
-        <p:style>
-          <a:lnRef idx="2">
-            <a:schemeClr val="accent1">
-              <a:shade val="50000"/>
-            </a:schemeClr>
-          </a:lnRef>
-          <a:fillRef idx="1">
-            <a:schemeClr val="accent1"/>
-          </a:fillRef>
-          <a:effectRef idx="0">
-            <a:schemeClr val="accent1"/>
-          </a:effectRef>
-          <a:fontRef idx="minor">
-            <a:schemeClr val="lt1"/>
-          </a:fontRef>
-        </p:style>
-        <p:txBody>
-          <a:bodyPr rtlCol="0" anchor="ctr"/>
-          <a:lstStyle/>
-          <a:p>
-            <a:pPr algn="ctr"/>
-            <a:endParaRPr lang="en-US"/>
-          </a:p>
-        </p:txBody>
-      </p:sp>
-      <p:pic>
-        <p:nvPicPr>
-          <p:cNvPr id="5" name="Picture 4" descr="A screenshot of a cell phone&#10;&#10;Description generated with very high confidence">
-            <a:extLst>
-              <a:ext uri="{FF2B5EF4-FFF2-40B4-BE49-F238E27FC236}">
-                <a16:creationId xmlns:a16="http://schemas.microsoft.com/office/drawing/2014/main" id="{F0C3EBEB-1A32-4404-A4AB-27B10824C64B}"/>
-              </a:ext>
-            </a:extLst>
-          </p:cNvPr>
-          <p:cNvPicPr>
-            <a:picLocks noChangeAspect="1"/>
-          </p:cNvPicPr>
-          <p:nvPr/>
-        </p:nvPicPr>
-        <p:blipFill rotWithShape="1">
-          <a:blip r:embed="rId2">
-            <a:extLst>
-              <a:ext uri="{28A0092B-C50C-407E-A947-70E740481C1C}">
-                <a14:useLocalDpi xmlns:a14="http://schemas.microsoft.com/office/drawing/2010/main" val="0"/>
-              </a:ext>
-            </a:extLst>
-          </a:blip>
-          <a:srcRect l="4644" r="13448" b="1"/>
-          <a:stretch/>
-        </p:blipFill>
-        <p:spPr>
-          <a:xfrm>
-            <a:off x="799072" y="786117"/>
-            <a:ext cx="6200238" cy="4956048"/>
-          </a:xfrm>
-          <a:custGeom>
-            <a:avLst/>
-            <a:gdLst>
-              <a:gd name="connsiteX0" fmla="*/ 534609 w 6245352"/>
-              <a:gd name="connsiteY0" fmla="*/ 0 h 4956048"/>
-              <a:gd name="connsiteX1" fmla="*/ 6245352 w 6245352"/>
-              <a:gd name="connsiteY1" fmla="*/ 0 h 4956048"/>
-              <a:gd name="connsiteX2" fmla="*/ 6245352 w 6245352"/>
-              <a:gd name="connsiteY2" fmla="*/ 4421439 h 4956048"/>
-              <a:gd name="connsiteX3" fmla="*/ 5710743 w 6245352"/>
-              <a:gd name="connsiteY3" fmla="*/ 4956048 h 4956048"/>
-              <a:gd name="connsiteX4" fmla="*/ 0 w 6245352"/>
-              <a:gd name="connsiteY4" fmla="*/ 4956048 h 4956048"/>
-              <a:gd name="connsiteX5" fmla="*/ 0 w 6245352"/>
-              <a:gd name="connsiteY5" fmla="*/ 534609 h 4956048"/>
-            </a:gdLst>
-            <a:ahLst/>
-            <a:cxnLst>
-              <a:cxn ang="0">
-                <a:pos x="connsiteX0" y="connsiteY0"/>
-              </a:cxn>
-              <a:cxn ang="0">
-                <a:pos x="connsiteX1" y="connsiteY1"/>
-              </a:cxn>
-              <a:cxn ang="0">
-                <a:pos x="connsiteX2" y="connsiteY2"/>
-              </a:cxn>
-              <a:cxn ang="0">
-                <a:pos x="connsiteX3" y="connsiteY3"/>
-              </a:cxn>
-              <a:cxn ang="0">
-                <a:pos x="connsiteX4" y="connsiteY4"/>
-              </a:cxn>
-              <a:cxn ang="0">
-                <a:pos x="connsiteX5" y="connsiteY5"/>
-              </a:cxn>
-            </a:cxnLst>
-            <a:rect l="l" t="t" r="r" b="b"/>
-            <a:pathLst>
-              <a:path w="6245352" h="4956048">
-                <a:moveTo>
-                  <a:pt x="534609" y="0"/>
-                </a:moveTo>
-                <a:lnTo>
-                  <a:pt x="6245352" y="0"/>
-                </a:lnTo>
-                <a:lnTo>
-                  <a:pt x="6245352" y="4421439"/>
-                </a:lnTo>
-                <a:lnTo>
-                  <a:pt x="5710743" y="4956048"/>
-                </a:lnTo>
-                <a:lnTo>
-                  <a:pt x="0" y="4956048"/>
-                </a:lnTo>
-                <a:lnTo>
-                  <a:pt x="0" y="534609"/>
-                </a:lnTo>
-                <a:close/>
-              </a:path>
-            </a:pathLst>
-          </a:custGeom>
-        </p:spPr>
-      </p:pic>
-      <p:grpSp>
-        <p:nvGrpSpPr>
-          <p:cNvPr id="81" name="Group 80">
-            <a:extLst>
-              <a:ext uri="{FF2B5EF4-FFF2-40B4-BE49-F238E27FC236}">
-                <a16:creationId xmlns:a16="http://schemas.microsoft.com/office/drawing/2014/main" id="{A779F34F-2960-4B81-BA08-445B6F6A0CD7}"/>
+                <a16:creationId xmlns:a16="http://schemas.microsoft.com/office/drawing/2014/main" id="{A08E251A-5371-4E82-A0F3-2CA0C15AB09C}"/>
               </a:ext>
               <a:ext uri="{C183D7F6-B498-43B3-948B-1728B52AA6E4}">
                 <adec:decorative xmlns:adec="http://schemas.microsoft.com/office/drawing/2017/decorative" val="1"/>
@@ -9604,10 +9442,10 @@
         </p:grpSpPr>
         <p:cxnSp>
           <p:nvCxnSpPr>
-            <p:cNvPr id="82" name="Straight Connector 81">
+            <p:cNvPr id="104" name="Straight Connector 103">
               <a:extLst>
                 <a:ext uri="{FF2B5EF4-FFF2-40B4-BE49-F238E27FC236}">
-                  <a16:creationId xmlns:a16="http://schemas.microsoft.com/office/drawing/2014/main" id="{10A57ACC-416F-4A5D-B7F7-DDA9886A3A6C}"/>
+                  <a16:creationId xmlns:a16="http://schemas.microsoft.com/office/drawing/2014/main" id="{D31AC21F-237B-4CA8-BC96-29F3607FABEF}"/>
                 </a:ext>
                 <a:ext uri="{C183D7F6-B498-43B3-948B-1728B52AA6E4}">
                   <adec:decorative xmlns:adec="http://schemas.microsoft.com/office/drawing/2017/decorative" val="1"/>
@@ -9654,10 +9492,10 @@
         </p:cxnSp>
         <p:cxnSp>
           <p:nvCxnSpPr>
-            <p:cNvPr id="83" name="Straight Connector 82">
+            <p:cNvPr id="105" name="Straight Connector 104">
               <a:extLst>
                 <a:ext uri="{FF2B5EF4-FFF2-40B4-BE49-F238E27FC236}">
-                  <a16:creationId xmlns:a16="http://schemas.microsoft.com/office/drawing/2014/main" id="{26522B4F-50C4-4FCE-8AE2-3789D63ED338}"/>
+                  <a16:creationId xmlns:a16="http://schemas.microsoft.com/office/drawing/2014/main" id="{9959094C-A1B3-4AD4-9AAE-0FCDDD798428}"/>
                 </a:ext>
                 <a:ext uri="{C183D7F6-B498-43B3-948B-1728B52AA6E4}">
                   <adec:decorative xmlns:adec="http://schemas.microsoft.com/office/drawing/2017/decorative" val="1"/>
@@ -9704,10 +9542,10 @@
         </p:cxnSp>
         <p:cxnSp>
           <p:nvCxnSpPr>
-            <p:cNvPr id="84" name="Straight Connector 83">
+            <p:cNvPr id="106" name="Straight Connector 105">
               <a:extLst>
                 <a:ext uri="{FF2B5EF4-FFF2-40B4-BE49-F238E27FC236}">
-                  <a16:creationId xmlns:a16="http://schemas.microsoft.com/office/drawing/2014/main" id="{2C3978FC-B5D1-42BE-B086-BC2A733D58F0}"/>
+                  <a16:creationId xmlns:a16="http://schemas.microsoft.com/office/drawing/2014/main" id="{D5EC0EFA-8A7F-4299-A623-3EE741461BAB}"/>
                 </a:ext>
                 <a:ext uri="{C183D7F6-B498-43B3-948B-1728B52AA6E4}">
                   <adec:decorative xmlns:adec="http://schemas.microsoft.com/office/drawing/2017/decorative" val="1"/>
@@ -9754,10 +9592,10 @@
         </p:cxnSp>
         <p:cxnSp>
           <p:nvCxnSpPr>
-            <p:cNvPr id="85" name="Straight Connector 84">
+            <p:cNvPr id="107" name="Straight Connector 106">
               <a:extLst>
                 <a:ext uri="{FF2B5EF4-FFF2-40B4-BE49-F238E27FC236}">
-                  <a16:creationId xmlns:a16="http://schemas.microsoft.com/office/drawing/2014/main" id="{ACED99F1-340D-4970-8E66-3B28E9271122}"/>
+                  <a16:creationId xmlns:a16="http://schemas.microsoft.com/office/drawing/2014/main" id="{965D7216-F9AF-42BE-99AD-1904DEF69CBF}"/>
                 </a:ext>
                 <a:ext uri="{C183D7F6-B498-43B3-948B-1728B52AA6E4}">
                   <adec:decorative xmlns:adec="http://schemas.microsoft.com/office/drawing/2017/decorative" val="1"/>
@@ -9804,10 +9642,10 @@
         </p:cxnSp>
         <p:cxnSp>
           <p:nvCxnSpPr>
-            <p:cNvPr id="86" name="Straight Connector 85">
+            <p:cNvPr id="108" name="Straight Connector 107">
               <a:extLst>
                 <a:ext uri="{FF2B5EF4-FFF2-40B4-BE49-F238E27FC236}">
-                  <a16:creationId xmlns:a16="http://schemas.microsoft.com/office/drawing/2014/main" id="{50A54E39-63C0-4847-A766-C6B74FEB48D9}"/>
+                  <a16:creationId xmlns:a16="http://schemas.microsoft.com/office/drawing/2014/main" id="{CDE3349B-AD7F-48C8-9300-D81D694367B6}"/>
                 </a:ext>
                 <a:ext uri="{C183D7F6-B498-43B3-948B-1728B52AA6E4}">
                   <adec:decorative xmlns:adec="http://schemas.microsoft.com/office/drawing/2017/decorative" val="1"/>
@@ -9853,6 +9691,177 @@
           </p:style>
         </p:cxnSp>
       </p:grpSp>
+      <p:sp>
+        <p:nvSpPr>
+          <p:cNvPr id="110" name="Snip Diagonal Corner Rectangle 12">
+            <a:extLst>
+              <a:ext uri="{FF2B5EF4-FFF2-40B4-BE49-F238E27FC236}">
+                <a16:creationId xmlns:a16="http://schemas.microsoft.com/office/drawing/2014/main" id="{E05CABE9-5E7C-4773-BFCD-24B199FA1AE3}"/>
+              </a:ext>
+              <a:ext uri="{C183D7F6-B498-43B3-948B-1728B52AA6E4}">
+                <adec:decorative xmlns:adec="http://schemas.microsoft.com/office/drawing/2017/decorative" val="1"/>
+              </a:ext>
+            </a:extLst>
+          </p:cNvPr>
+          <p:cNvSpPr>
+            <a:spLocks noGrp="1" noRot="1" noChangeAspect="1" noMove="1" noResize="1" noEditPoints="1" noAdjustHandles="1" noChangeArrowheads="1" noChangeShapeType="1" noTextEdit="1"/>
+          </p:cNvSpPr>
+          <p:nvPr>
+            <p:extLst>
+              <p:ext uri="{386F3935-93C4-4BCD-93E2-E3B085C9AB24}">
+                <p16:designElem xmlns:p16="http://schemas.microsoft.com/office/powerpoint/2015/main" val="1"/>
+              </p:ext>
+            </p:extLst>
+          </p:nvPr>
+        </p:nvSpPr>
+        <p:spPr>
+          <a:xfrm>
+            <a:off x="672251" y="690851"/>
+            <a:ext cx="9615670" cy="3607302"/>
+          </a:xfrm>
+          <a:prstGeom prst="snip2DiagRect">
+            <a:avLst>
+              <a:gd name="adj1" fmla="val 12305"/>
+              <a:gd name="adj2" fmla="val 0"/>
+            </a:avLst>
+          </a:prstGeom>
+          <a:solidFill>
+            <a:schemeClr val="tx1"/>
+          </a:solidFill>
+          <a:ln>
+            <a:solidFill>
+              <a:srgbClr val="FFFFFF">
+                <a:alpha val="40000"/>
+              </a:srgbClr>
+            </a:solidFill>
+          </a:ln>
+          <a:effectLst>
+            <a:innerShdw blurRad="57150" dist="38100" dir="14460000">
+              <a:prstClr val="black">
+                <a:alpha val="70000"/>
+              </a:prstClr>
+            </a:innerShdw>
+          </a:effectLst>
+        </p:spPr>
+        <p:style>
+          <a:lnRef idx="2">
+            <a:schemeClr val="accent1">
+              <a:shade val="50000"/>
+            </a:schemeClr>
+          </a:lnRef>
+          <a:fillRef idx="1">
+            <a:schemeClr val="accent1"/>
+          </a:fillRef>
+          <a:effectRef idx="0">
+            <a:schemeClr val="accent1"/>
+          </a:effectRef>
+          <a:fontRef idx="minor">
+            <a:schemeClr val="lt1"/>
+          </a:fontRef>
+        </p:style>
+        <p:txBody>
+          <a:bodyPr rtlCol="0" anchor="ctr"/>
+          <a:lstStyle/>
+          <a:p>
+            <a:pPr algn="ctr"/>
+            <a:endParaRPr lang="en-US"/>
+          </a:p>
+        </p:txBody>
+      </p:sp>
+      <p:pic>
+        <p:nvPicPr>
+          <p:cNvPr id="5" name="Picture 4" descr="A screenshot of a cell phone&#10;&#10;Description generated with very high confidence">
+            <a:extLst>
+              <a:ext uri="{FF2B5EF4-FFF2-40B4-BE49-F238E27FC236}">
+                <a16:creationId xmlns:a16="http://schemas.microsoft.com/office/drawing/2014/main" id="{F0C3EBEB-1A32-4404-A4AB-27B10824C64B}"/>
+              </a:ext>
+            </a:extLst>
+          </p:cNvPr>
+          <p:cNvPicPr>
+            <a:picLocks noChangeAspect="1"/>
+          </p:cNvPicPr>
+          <p:nvPr/>
+        </p:nvPicPr>
+        <p:blipFill rotWithShape="1">
+          <a:blip r:embed="rId2">
+            <a:extLst>
+              <a:ext uri="{28A0092B-C50C-407E-A947-70E740481C1C}">
+                <a14:useLocalDpi xmlns:a14="http://schemas.microsoft.com/office/drawing/2010/main" val="0"/>
+              </a:ext>
+            </a:extLst>
+          </a:blip>
+          <a:srcRect t="15974" r="1" b="29697"/>
+          <a:stretch/>
+        </p:blipFill>
+        <p:spPr>
+          <a:xfrm>
+            <a:off x="834934" y="854087"/>
+            <a:ext cx="9290304" cy="3280831"/>
+          </a:xfrm>
+          <a:custGeom>
+            <a:avLst/>
+            <a:gdLst>
+              <a:gd name="connsiteX0" fmla="*/ 402071 w 9290304"/>
+              <a:gd name="connsiteY0" fmla="*/ 0 h 3280831"/>
+              <a:gd name="connsiteX1" fmla="*/ 9290304 w 9290304"/>
+              <a:gd name="connsiteY1" fmla="*/ 0 h 3280831"/>
+              <a:gd name="connsiteX2" fmla="*/ 9290304 w 9290304"/>
+              <a:gd name="connsiteY2" fmla="*/ 2876895 h 3280831"/>
+              <a:gd name="connsiteX3" fmla="*/ 8886368 w 9290304"/>
+              <a:gd name="connsiteY3" fmla="*/ 3280831 h 3280831"/>
+              <a:gd name="connsiteX4" fmla="*/ 0 w 9290304"/>
+              <a:gd name="connsiteY4" fmla="*/ 3280831 h 3280831"/>
+              <a:gd name="connsiteX5" fmla="*/ 0 w 9290304"/>
+              <a:gd name="connsiteY5" fmla="*/ 402071 h 3280831"/>
+            </a:gdLst>
+            <a:ahLst/>
+            <a:cxnLst>
+              <a:cxn ang="0">
+                <a:pos x="connsiteX0" y="connsiteY0"/>
+              </a:cxn>
+              <a:cxn ang="0">
+                <a:pos x="connsiteX1" y="connsiteY1"/>
+              </a:cxn>
+              <a:cxn ang="0">
+                <a:pos x="connsiteX2" y="connsiteY2"/>
+              </a:cxn>
+              <a:cxn ang="0">
+                <a:pos x="connsiteX3" y="connsiteY3"/>
+              </a:cxn>
+              <a:cxn ang="0">
+                <a:pos x="connsiteX4" y="connsiteY4"/>
+              </a:cxn>
+              <a:cxn ang="0">
+                <a:pos x="connsiteX5" y="connsiteY5"/>
+              </a:cxn>
+            </a:cxnLst>
+            <a:rect l="l" t="t" r="r" b="b"/>
+            <a:pathLst>
+              <a:path w="9290304" h="3280831">
+                <a:moveTo>
+                  <a:pt x="402071" y="0"/>
+                </a:moveTo>
+                <a:lnTo>
+                  <a:pt x="9290304" y="0"/>
+                </a:lnTo>
+                <a:lnTo>
+                  <a:pt x="9290304" y="2876895"/>
+                </a:lnTo>
+                <a:lnTo>
+                  <a:pt x="8886368" y="3280831"/>
+                </a:lnTo>
+                <a:lnTo>
+                  <a:pt x="0" y="3280831"/>
+                </a:lnTo>
+                <a:lnTo>
+                  <a:pt x="0" y="402071"/>
+                </a:lnTo>
+                <a:close/>
+              </a:path>
+            </a:pathLst>
+          </a:custGeom>
+        </p:spPr>
+      </p:pic>
     </p:spTree>
     <p:extLst>
       <p:ext uri="{BB962C8B-B14F-4D97-AF65-F5344CB8AC3E}">
@@ -9910,7 +9919,7 @@
       </p:grpSpPr>
       <p:cxnSp>
         <p:nvCxnSpPr>
-          <p:cNvPr id="10" name="Straight Connector 9">
+          <p:cNvPr id="34" name="Straight Connector 33">
             <a:extLst>
               <a:ext uri="{FF2B5EF4-FFF2-40B4-BE49-F238E27FC236}">
                 <a16:creationId xmlns:a16="http://schemas.microsoft.com/office/drawing/2014/main" id="{8FD48FB1-66D8-4676-B0AA-C139A1DB78D1}"/>
@@ -9962,7 +9971,7 @@
       </p:cxnSp>
       <p:cxnSp>
         <p:nvCxnSpPr>
-          <p:cNvPr id="12" name="Straight Connector 11">
+          <p:cNvPr id="36" name="Straight Connector 35">
             <a:extLst>
               <a:ext uri="{FF2B5EF4-FFF2-40B4-BE49-F238E27FC236}">
                 <a16:creationId xmlns:a16="http://schemas.microsoft.com/office/drawing/2014/main" id="{F033F5AE-6728-4F19-8DED-658E674B31B9}"/>
@@ -10014,7 +10023,7 @@
       </p:cxnSp>
       <p:cxnSp>
         <p:nvCxnSpPr>
-          <p:cNvPr id="14" name="Straight Connector 13">
+          <p:cNvPr id="38" name="Straight Connector 37">
             <a:extLst>
               <a:ext uri="{FF2B5EF4-FFF2-40B4-BE49-F238E27FC236}">
                 <a16:creationId xmlns:a16="http://schemas.microsoft.com/office/drawing/2014/main" id="{82C7D74A-18BA-4709-A808-44E8815C4430}"/>
@@ -10066,7 +10075,7 @@
       </p:cxnSp>
       <p:cxnSp>
         <p:nvCxnSpPr>
-          <p:cNvPr id="16" name="Straight Connector 15">
+          <p:cNvPr id="40" name="Straight Connector 39">
             <a:extLst>
               <a:ext uri="{FF2B5EF4-FFF2-40B4-BE49-F238E27FC236}">
                 <a16:creationId xmlns:a16="http://schemas.microsoft.com/office/drawing/2014/main" id="{B5164A3F-1561-4039-8185-AB0EEB713EA7}"/>
@@ -10118,7 +10127,7 @@
       </p:cxnSp>
       <p:cxnSp>
         <p:nvCxnSpPr>
-          <p:cNvPr id="18" name="Straight Connector 17">
+          <p:cNvPr id="42" name="Straight Connector 41">
             <a:extLst>
               <a:ext uri="{FF2B5EF4-FFF2-40B4-BE49-F238E27FC236}">
                 <a16:creationId xmlns:a16="http://schemas.microsoft.com/office/drawing/2014/main" id="{2A35DB53-42BE-460E-9CA1-1294C98463CB}"/>
@@ -10170,10 +10179,10 @@
       </p:cxnSp>
       <p:sp useBgFill="1">
         <p:nvSpPr>
-          <p:cNvPr id="20" name="Rectangle 19">
+          <p:cNvPr id="44" name="Rectangle 43">
             <a:extLst>
               <a:ext uri="{FF2B5EF4-FFF2-40B4-BE49-F238E27FC236}">
-                <a16:creationId xmlns:a16="http://schemas.microsoft.com/office/drawing/2014/main" id="{C5BDD1EA-D8C1-45AF-9F0A-14A2A137BA2A}"/>
+                <a16:creationId xmlns:a16="http://schemas.microsoft.com/office/drawing/2014/main" id="{58A973E8-C2D4-4C81-8ADE-C5C021A615E7}"/>
               </a:ext>
               <a:ext uri="{C183D7F6-B498-43B3-948B-1728B52AA6E4}">
                 <adec:decorative xmlns:adec="http://schemas.microsoft.com/office/drawing/2017/decorative" val="1"/>
@@ -10246,8 +10255,8 @@
         </p:nvSpPr>
         <p:spPr>
           <a:xfrm>
-            <a:off x="7532710" y="628617"/>
-            <a:ext cx="3971902" cy="3028983"/>
+            <a:off x="665641" y="4473679"/>
+            <a:ext cx="9552558" cy="1233251"/>
           </a:xfrm>
         </p:spPr>
         <p:txBody>
@@ -10263,179 +10272,12 @@
           </a:p>
         </p:txBody>
       </p:sp>
-      <p:sp>
-        <p:nvSpPr>
-          <p:cNvPr id="22" name="Snip Diagonal Corner Rectangle 6">
+      <p:grpSp>
+        <p:nvGrpSpPr>
+          <p:cNvPr id="46" name="Group 45">
             <a:extLst>
               <a:ext uri="{FF2B5EF4-FFF2-40B4-BE49-F238E27FC236}">
-                <a16:creationId xmlns:a16="http://schemas.microsoft.com/office/drawing/2014/main" id="{14354E08-0068-48D7-A8AD-84C7B1CF585D}"/>
-              </a:ext>
-              <a:ext uri="{C183D7F6-B498-43B3-948B-1728B52AA6E4}">
-                <adec:decorative xmlns:adec="http://schemas.microsoft.com/office/drawing/2017/decorative" val="1"/>
-              </a:ext>
-            </a:extLst>
-          </p:cNvPr>
-          <p:cNvSpPr>
-            <a:spLocks noGrp="1" noRot="1" noChangeAspect="1" noMove="1" noResize="1" noEditPoints="1" noAdjustHandles="1" noChangeArrowheads="1" noChangeShapeType="1" noTextEdit="1"/>
-          </p:cNvSpPr>
-          <p:nvPr>
-            <p:extLst>
-              <p:ext uri="{386F3935-93C4-4BCD-93E2-E3B085C9AB24}">
-                <p16:designElem xmlns:p16="http://schemas.microsoft.com/office/powerpoint/2015/main" val="1"/>
-              </p:ext>
-            </p:extLst>
-          </p:nvPr>
-        </p:nvSpPr>
-        <p:spPr>
-          <a:xfrm>
-            <a:off x="634000" y="620722"/>
-            <a:ext cx="6575496" cy="5286838"/>
-          </a:xfrm>
-          <a:prstGeom prst="snip2DiagRect">
-            <a:avLst>
-              <a:gd name="adj1" fmla="val 10787"/>
-              <a:gd name="adj2" fmla="val 0"/>
-            </a:avLst>
-          </a:prstGeom>
-          <a:solidFill>
-            <a:schemeClr val="tx1"/>
-          </a:solidFill>
-          <a:ln>
-            <a:noFill/>
-          </a:ln>
-          <a:effectLst>
-            <a:innerShdw blurRad="57150" dist="38100" dir="14460000">
-              <a:prstClr val="black">
-                <a:alpha val="70000"/>
-              </a:prstClr>
-            </a:innerShdw>
-          </a:effectLst>
-        </p:spPr>
-        <p:style>
-          <a:lnRef idx="2">
-            <a:schemeClr val="accent1">
-              <a:shade val="50000"/>
-            </a:schemeClr>
-          </a:lnRef>
-          <a:fillRef idx="1">
-            <a:schemeClr val="accent1"/>
-          </a:fillRef>
-          <a:effectRef idx="0">
-            <a:schemeClr val="accent1"/>
-          </a:effectRef>
-          <a:fontRef idx="minor">
-            <a:schemeClr val="lt1"/>
-          </a:fontRef>
-        </p:style>
-        <p:txBody>
-          <a:bodyPr rtlCol="0" anchor="ctr"/>
-          <a:lstStyle/>
-          <a:p>
-            <a:pPr algn="ctr"/>
-            <a:endParaRPr lang="en-US"/>
-          </a:p>
-        </p:txBody>
-      </p:sp>
-      <p:pic>
-        <p:nvPicPr>
-          <p:cNvPr id="5" name="Picture 4" descr="A screenshot of a cell phone&#10;&#10;Description generated with very high confidence">
-            <a:extLst>
-              <a:ext uri="{FF2B5EF4-FFF2-40B4-BE49-F238E27FC236}">
-                <a16:creationId xmlns:a16="http://schemas.microsoft.com/office/drawing/2014/main" id="{5EA02AD0-E0DF-463B-A8A8-03E339F3DB5C}"/>
-              </a:ext>
-            </a:extLst>
-          </p:cNvPr>
-          <p:cNvPicPr>
-            <a:picLocks noChangeAspect="1"/>
-          </p:cNvPicPr>
-          <p:nvPr/>
-        </p:nvPicPr>
-        <p:blipFill rotWithShape="1">
-          <a:blip r:embed="rId2">
-            <a:extLst>
-              <a:ext uri="{28A0092B-C50C-407E-A947-70E740481C1C}">
-                <a14:useLocalDpi xmlns:a14="http://schemas.microsoft.com/office/drawing/2010/main" val="0"/>
-              </a:ext>
-            </a:extLst>
-          </a:blip>
-          <a:srcRect l="1377" r="14824" b="1"/>
-          <a:stretch/>
-        </p:blipFill>
-        <p:spPr>
-          <a:xfrm>
-            <a:off x="799072" y="786117"/>
-            <a:ext cx="6245352" cy="4956048"/>
-          </a:xfrm>
-          <a:custGeom>
-            <a:avLst/>
-            <a:gdLst>
-              <a:gd name="connsiteX0" fmla="*/ 534609 w 6245352"/>
-              <a:gd name="connsiteY0" fmla="*/ 0 h 4956048"/>
-              <a:gd name="connsiteX1" fmla="*/ 6245352 w 6245352"/>
-              <a:gd name="connsiteY1" fmla="*/ 0 h 4956048"/>
-              <a:gd name="connsiteX2" fmla="*/ 6245352 w 6245352"/>
-              <a:gd name="connsiteY2" fmla="*/ 4421439 h 4956048"/>
-              <a:gd name="connsiteX3" fmla="*/ 5710743 w 6245352"/>
-              <a:gd name="connsiteY3" fmla="*/ 4956048 h 4956048"/>
-              <a:gd name="connsiteX4" fmla="*/ 0 w 6245352"/>
-              <a:gd name="connsiteY4" fmla="*/ 4956048 h 4956048"/>
-              <a:gd name="connsiteX5" fmla="*/ 0 w 6245352"/>
-              <a:gd name="connsiteY5" fmla="*/ 534609 h 4956048"/>
-            </a:gdLst>
-            <a:ahLst/>
-            <a:cxnLst>
-              <a:cxn ang="0">
-                <a:pos x="connsiteX0" y="connsiteY0"/>
-              </a:cxn>
-              <a:cxn ang="0">
-                <a:pos x="connsiteX1" y="connsiteY1"/>
-              </a:cxn>
-              <a:cxn ang="0">
-                <a:pos x="connsiteX2" y="connsiteY2"/>
-              </a:cxn>
-              <a:cxn ang="0">
-                <a:pos x="connsiteX3" y="connsiteY3"/>
-              </a:cxn>
-              <a:cxn ang="0">
-                <a:pos x="connsiteX4" y="connsiteY4"/>
-              </a:cxn>
-              <a:cxn ang="0">
-                <a:pos x="connsiteX5" y="connsiteY5"/>
-              </a:cxn>
-            </a:cxnLst>
-            <a:rect l="l" t="t" r="r" b="b"/>
-            <a:pathLst>
-              <a:path w="6245352" h="4956048">
-                <a:moveTo>
-                  <a:pt x="534609" y="0"/>
-                </a:moveTo>
-                <a:lnTo>
-                  <a:pt x="6245352" y="0"/>
-                </a:lnTo>
-                <a:lnTo>
-                  <a:pt x="6245352" y="4421439"/>
-                </a:lnTo>
-                <a:lnTo>
-                  <a:pt x="5710743" y="4956048"/>
-                </a:lnTo>
-                <a:lnTo>
-                  <a:pt x="0" y="4956048"/>
-                </a:lnTo>
-                <a:lnTo>
-                  <a:pt x="0" y="534609"/>
-                </a:lnTo>
-                <a:close/>
-              </a:path>
-            </a:pathLst>
-          </a:custGeom>
-        </p:spPr>
-      </p:pic>
-      <p:grpSp>
-        <p:nvGrpSpPr>
-          <p:cNvPr id="24" name="Group 23">
-            <a:extLst>
-              <a:ext uri="{FF2B5EF4-FFF2-40B4-BE49-F238E27FC236}">
-                <a16:creationId xmlns:a16="http://schemas.microsoft.com/office/drawing/2014/main" id="{A779F34F-2960-4B81-BA08-445B6F6A0CD7}"/>
+                <a16:creationId xmlns:a16="http://schemas.microsoft.com/office/drawing/2014/main" id="{A08E251A-5371-4E82-A0F3-2CA0C15AB09C}"/>
               </a:ext>
               <a:ext uri="{C183D7F6-B498-43B3-948B-1728B52AA6E4}">
                 <adec:decorative xmlns:adec="http://schemas.microsoft.com/office/drawing/2017/decorative" val="1"/>
@@ -10463,10 +10305,10 @@
         </p:grpSpPr>
         <p:cxnSp>
           <p:nvCxnSpPr>
-            <p:cNvPr id="25" name="Straight Connector 24">
+            <p:cNvPr id="47" name="Straight Connector 46">
               <a:extLst>
                 <a:ext uri="{FF2B5EF4-FFF2-40B4-BE49-F238E27FC236}">
-                  <a16:creationId xmlns:a16="http://schemas.microsoft.com/office/drawing/2014/main" id="{10A57ACC-416F-4A5D-B7F7-DDA9886A3A6C}"/>
+                  <a16:creationId xmlns:a16="http://schemas.microsoft.com/office/drawing/2014/main" id="{D31AC21F-237B-4CA8-BC96-29F3607FABEF}"/>
                 </a:ext>
                 <a:ext uri="{C183D7F6-B498-43B3-948B-1728B52AA6E4}">
                   <adec:decorative xmlns:adec="http://schemas.microsoft.com/office/drawing/2017/decorative" val="1"/>
@@ -10513,10 +10355,10 @@
         </p:cxnSp>
         <p:cxnSp>
           <p:nvCxnSpPr>
-            <p:cNvPr id="26" name="Straight Connector 25">
+            <p:cNvPr id="48" name="Straight Connector 47">
               <a:extLst>
                 <a:ext uri="{FF2B5EF4-FFF2-40B4-BE49-F238E27FC236}">
-                  <a16:creationId xmlns:a16="http://schemas.microsoft.com/office/drawing/2014/main" id="{26522B4F-50C4-4FCE-8AE2-3789D63ED338}"/>
+                  <a16:creationId xmlns:a16="http://schemas.microsoft.com/office/drawing/2014/main" id="{9959094C-A1B3-4AD4-9AAE-0FCDDD798428}"/>
                 </a:ext>
                 <a:ext uri="{C183D7F6-B498-43B3-948B-1728B52AA6E4}">
                   <adec:decorative xmlns:adec="http://schemas.microsoft.com/office/drawing/2017/decorative" val="1"/>
@@ -10563,10 +10405,10 @@
         </p:cxnSp>
         <p:cxnSp>
           <p:nvCxnSpPr>
-            <p:cNvPr id="27" name="Straight Connector 26">
+            <p:cNvPr id="49" name="Straight Connector 48">
               <a:extLst>
                 <a:ext uri="{FF2B5EF4-FFF2-40B4-BE49-F238E27FC236}">
-                  <a16:creationId xmlns:a16="http://schemas.microsoft.com/office/drawing/2014/main" id="{2C3978FC-B5D1-42BE-B086-BC2A733D58F0}"/>
+                  <a16:creationId xmlns:a16="http://schemas.microsoft.com/office/drawing/2014/main" id="{D5EC0EFA-8A7F-4299-A623-3EE741461BAB}"/>
                 </a:ext>
                 <a:ext uri="{C183D7F6-B498-43B3-948B-1728B52AA6E4}">
                   <adec:decorative xmlns:adec="http://schemas.microsoft.com/office/drawing/2017/decorative" val="1"/>
@@ -10613,10 +10455,10 @@
         </p:cxnSp>
         <p:cxnSp>
           <p:nvCxnSpPr>
-            <p:cNvPr id="28" name="Straight Connector 27">
+            <p:cNvPr id="50" name="Straight Connector 49">
               <a:extLst>
                 <a:ext uri="{FF2B5EF4-FFF2-40B4-BE49-F238E27FC236}">
-                  <a16:creationId xmlns:a16="http://schemas.microsoft.com/office/drawing/2014/main" id="{ACED99F1-340D-4970-8E66-3B28E9271122}"/>
+                  <a16:creationId xmlns:a16="http://schemas.microsoft.com/office/drawing/2014/main" id="{965D7216-F9AF-42BE-99AD-1904DEF69CBF}"/>
                 </a:ext>
                 <a:ext uri="{C183D7F6-B498-43B3-948B-1728B52AA6E4}">
                   <adec:decorative xmlns:adec="http://schemas.microsoft.com/office/drawing/2017/decorative" val="1"/>
@@ -10663,10 +10505,10 @@
         </p:cxnSp>
         <p:cxnSp>
           <p:nvCxnSpPr>
-            <p:cNvPr id="29" name="Straight Connector 28">
+            <p:cNvPr id="51" name="Straight Connector 50">
               <a:extLst>
                 <a:ext uri="{FF2B5EF4-FFF2-40B4-BE49-F238E27FC236}">
-                  <a16:creationId xmlns:a16="http://schemas.microsoft.com/office/drawing/2014/main" id="{50A54E39-63C0-4847-A766-C6B74FEB48D9}"/>
+                  <a16:creationId xmlns:a16="http://schemas.microsoft.com/office/drawing/2014/main" id="{CDE3349B-AD7F-48C8-9300-D81D694367B6}"/>
                 </a:ext>
                 <a:ext uri="{C183D7F6-B498-43B3-948B-1728B52AA6E4}">
                   <adec:decorative xmlns:adec="http://schemas.microsoft.com/office/drawing/2017/decorative" val="1"/>
@@ -10712,6 +10554,177 @@
           </p:style>
         </p:cxnSp>
       </p:grpSp>
+      <p:sp>
+        <p:nvSpPr>
+          <p:cNvPr id="53" name="Snip Diagonal Corner Rectangle 12">
+            <a:extLst>
+              <a:ext uri="{FF2B5EF4-FFF2-40B4-BE49-F238E27FC236}">
+                <a16:creationId xmlns:a16="http://schemas.microsoft.com/office/drawing/2014/main" id="{E05CABE9-5E7C-4773-BFCD-24B199FA1AE3}"/>
+              </a:ext>
+              <a:ext uri="{C183D7F6-B498-43B3-948B-1728B52AA6E4}">
+                <adec:decorative xmlns:adec="http://schemas.microsoft.com/office/drawing/2017/decorative" val="1"/>
+              </a:ext>
+            </a:extLst>
+          </p:cNvPr>
+          <p:cNvSpPr>
+            <a:spLocks noGrp="1" noRot="1" noChangeAspect="1" noMove="1" noResize="1" noEditPoints="1" noAdjustHandles="1" noChangeArrowheads="1" noChangeShapeType="1" noTextEdit="1"/>
+          </p:cNvSpPr>
+          <p:nvPr>
+            <p:extLst>
+              <p:ext uri="{386F3935-93C4-4BCD-93E2-E3B085C9AB24}">
+                <p16:designElem xmlns:p16="http://schemas.microsoft.com/office/powerpoint/2015/main" val="1"/>
+              </p:ext>
+            </p:extLst>
+          </p:nvPr>
+        </p:nvSpPr>
+        <p:spPr>
+          <a:xfrm>
+            <a:off x="672251" y="690851"/>
+            <a:ext cx="9615670" cy="3607302"/>
+          </a:xfrm>
+          <a:prstGeom prst="snip2DiagRect">
+            <a:avLst>
+              <a:gd name="adj1" fmla="val 12305"/>
+              <a:gd name="adj2" fmla="val 0"/>
+            </a:avLst>
+          </a:prstGeom>
+          <a:solidFill>
+            <a:schemeClr val="tx1"/>
+          </a:solidFill>
+          <a:ln>
+            <a:solidFill>
+              <a:srgbClr val="FFFFFF">
+                <a:alpha val="40000"/>
+              </a:srgbClr>
+            </a:solidFill>
+          </a:ln>
+          <a:effectLst>
+            <a:innerShdw blurRad="57150" dist="38100" dir="14460000">
+              <a:prstClr val="black">
+                <a:alpha val="70000"/>
+              </a:prstClr>
+            </a:innerShdw>
+          </a:effectLst>
+        </p:spPr>
+        <p:style>
+          <a:lnRef idx="2">
+            <a:schemeClr val="accent1">
+              <a:shade val="50000"/>
+            </a:schemeClr>
+          </a:lnRef>
+          <a:fillRef idx="1">
+            <a:schemeClr val="accent1"/>
+          </a:fillRef>
+          <a:effectRef idx="0">
+            <a:schemeClr val="accent1"/>
+          </a:effectRef>
+          <a:fontRef idx="minor">
+            <a:schemeClr val="lt1"/>
+          </a:fontRef>
+        </p:style>
+        <p:txBody>
+          <a:bodyPr rtlCol="0" anchor="ctr"/>
+          <a:lstStyle/>
+          <a:p>
+            <a:pPr algn="ctr"/>
+            <a:endParaRPr lang="en-US"/>
+          </a:p>
+        </p:txBody>
+      </p:sp>
+      <p:pic>
+        <p:nvPicPr>
+          <p:cNvPr id="5" name="Picture 4" descr="A screenshot of a cell phone&#10;&#10;Description generated with very high confidence">
+            <a:extLst>
+              <a:ext uri="{FF2B5EF4-FFF2-40B4-BE49-F238E27FC236}">
+                <a16:creationId xmlns:a16="http://schemas.microsoft.com/office/drawing/2014/main" id="{5EA02AD0-E0DF-463B-A8A8-03E339F3DB5C}"/>
+              </a:ext>
+            </a:extLst>
+          </p:cNvPr>
+          <p:cNvPicPr>
+            <a:picLocks noChangeAspect="1"/>
+          </p:cNvPicPr>
+          <p:nvPr/>
+        </p:nvPicPr>
+        <p:blipFill rotWithShape="1">
+          <a:blip r:embed="rId2">
+            <a:extLst>
+              <a:ext uri="{28A0092B-C50C-407E-A947-70E740481C1C}">
+                <a14:useLocalDpi xmlns:a14="http://schemas.microsoft.com/office/drawing/2010/main" val="0"/>
+              </a:ext>
+            </a:extLst>
+          </a:blip>
+          <a:srcRect t="23447" r="1" b="23449"/>
+          <a:stretch/>
+        </p:blipFill>
+        <p:spPr>
+          <a:xfrm>
+            <a:off x="834934" y="854087"/>
+            <a:ext cx="9290304" cy="3280831"/>
+          </a:xfrm>
+          <a:custGeom>
+            <a:avLst/>
+            <a:gdLst>
+              <a:gd name="connsiteX0" fmla="*/ 402071 w 9290304"/>
+              <a:gd name="connsiteY0" fmla="*/ 0 h 3280831"/>
+              <a:gd name="connsiteX1" fmla="*/ 9290304 w 9290304"/>
+              <a:gd name="connsiteY1" fmla="*/ 0 h 3280831"/>
+              <a:gd name="connsiteX2" fmla="*/ 9290304 w 9290304"/>
+              <a:gd name="connsiteY2" fmla="*/ 2876895 h 3280831"/>
+              <a:gd name="connsiteX3" fmla="*/ 8886368 w 9290304"/>
+              <a:gd name="connsiteY3" fmla="*/ 3280831 h 3280831"/>
+              <a:gd name="connsiteX4" fmla="*/ 0 w 9290304"/>
+              <a:gd name="connsiteY4" fmla="*/ 3280831 h 3280831"/>
+              <a:gd name="connsiteX5" fmla="*/ 0 w 9290304"/>
+              <a:gd name="connsiteY5" fmla="*/ 402071 h 3280831"/>
+            </a:gdLst>
+            <a:ahLst/>
+            <a:cxnLst>
+              <a:cxn ang="0">
+                <a:pos x="connsiteX0" y="connsiteY0"/>
+              </a:cxn>
+              <a:cxn ang="0">
+                <a:pos x="connsiteX1" y="connsiteY1"/>
+              </a:cxn>
+              <a:cxn ang="0">
+                <a:pos x="connsiteX2" y="connsiteY2"/>
+              </a:cxn>
+              <a:cxn ang="0">
+                <a:pos x="connsiteX3" y="connsiteY3"/>
+              </a:cxn>
+              <a:cxn ang="0">
+                <a:pos x="connsiteX4" y="connsiteY4"/>
+              </a:cxn>
+              <a:cxn ang="0">
+                <a:pos x="connsiteX5" y="connsiteY5"/>
+              </a:cxn>
+            </a:cxnLst>
+            <a:rect l="l" t="t" r="r" b="b"/>
+            <a:pathLst>
+              <a:path w="9290304" h="3280831">
+                <a:moveTo>
+                  <a:pt x="402071" y="0"/>
+                </a:moveTo>
+                <a:lnTo>
+                  <a:pt x="9290304" y="0"/>
+                </a:lnTo>
+                <a:lnTo>
+                  <a:pt x="9290304" y="2876895"/>
+                </a:lnTo>
+                <a:lnTo>
+                  <a:pt x="8886368" y="3280831"/>
+                </a:lnTo>
+                <a:lnTo>
+                  <a:pt x="0" y="3280831"/>
+                </a:lnTo>
+                <a:lnTo>
+                  <a:pt x="0" y="402071"/>
+                </a:lnTo>
+                <a:close/>
+              </a:path>
+            </a:pathLst>
+          </a:custGeom>
+        </p:spPr>
+      </p:pic>
     </p:spTree>
     <p:extLst>
       <p:ext uri="{BB962C8B-B14F-4D97-AF65-F5344CB8AC3E}">
